--- a/ppt/day-29-23_08_2025.pptx
+++ b/ppt/day-29-23_08_2025.pptx
@@ -7,8 +7,9 @@
   <p:sldIdLst>
     <p:sldId id="265" r:id="rId2"/>
     <p:sldId id="266" r:id="rId3"/>
-    <p:sldId id="264" r:id="rId4"/>
-    <p:sldId id="260" r:id="rId5"/>
+    <p:sldId id="267" r:id="rId4"/>
+    <p:sldId id="264" r:id="rId5"/>
+    <p:sldId id="260" r:id="rId6"/>
   </p:sldIdLst>
   <p:sldSz cx="12192000" cy="6858000"/>
   <p:notesSz cx="6858000" cy="9144000"/>
@@ -4371,6 +4372,9 @@
           <a:prstGeom prst="rect">
             <a:avLst/>
           </a:prstGeom>
+          <a:solidFill>
+            <a:srgbClr val="00B050"/>
+          </a:solidFill>
         </p:spPr>
         <p:style>
           <a:lnRef idx="2">
@@ -4428,6 +4432,9 @@
           <a:prstGeom prst="rect">
             <a:avLst/>
           </a:prstGeom>
+          <a:solidFill>
+            <a:srgbClr val="00B050"/>
+          </a:solidFill>
         </p:spPr>
         <p:style>
           <a:lnRef idx="2">
@@ -4477,6 +4484,9 @@
           <a:prstGeom prst="rect">
             <a:avLst/>
           </a:prstGeom>
+          <a:solidFill>
+            <a:srgbClr val="00B050"/>
+          </a:solidFill>
         </p:spPr>
         <p:style>
           <a:lnRef idx="2">
@@ -4562,12 +4572,15 @@
         </p:nvSpPr>
         <p:spPr>
           <a:xfrm>
-            <a:off x="10016065" y="1228183"/>
+            <a:off x="10058399" y="1202267"/>
             <a:ext cx="1938867" cy="1193800"/>
           </a:xfrm>
           <a:prstGeom prst="rect">
             <a:avLst/>
           </a:prstGeom>
+          <a:solidFill>
+            <a:srgbClr val="00B050"/>
+          </a:solidFill>
         </p:spPr>
         <p:style>
           <a:lnRef idx="2">
@@ -4666,6 +4679,9 @@
           <a:prstGeom prst="rect">
             <a:avLst/>
           </a:prstGeom>
+          <a:solidFill>
+            <a:srgbClr val="00B050"/>
+          </a:solidFill>
         </p:spPr>
         <p:style>
           <a:lnRef idx="2">
@@ -5056,8 +5072,8 @@
         </p:nvCxnSpPr>
         <p:spPr>
           <a:xfrm flipV="1">
-            <a:off x="9474200" y="2096016"/>
-            <a:ext cx="541865" cy="468068"/>
+            <a:off x="9474200" y="2074333"/>
+            <a:ext cx="541865" cy="489751"/>
           </a:xfrm>
           <a:prstGeom prst="straightConnector1">
             <a:avLst/>
@@ -5098,8 +5114,8 @@
         </p:nvCxnSpPr>
         <p:spPr>
           <a:xfrm flipV="1">
-            <a:off x="2283884" y="768866"/>
-            <a:ext cx="1754715" cy="2092867"/>
+            <a:off x="2802467" y="768866"/>
+            <a:ext cx="1236132" cy="1795218"/>
           </a:xfrm>
           <a:prstGeom prst="straightConnector1">
             <a:avLst/>
@@ -5139,8 +5155,8 @@
         </p:nvCxnSpPr>
         <p:spPr>
           <a:xfrm flipV="1">
-            <a:off x="5925608" y="1017033"/>
-            <a:ext cx="1754715" cy="2092867"/>
+            <a:off x="6189133" y="1017033"/>
+            <a:ext cx="1491190" cy="1870100"/>
           </a:xfrm>
           <a:prstGeom prst="straightConnector1">
             <a:avLst/>
@@ -5296,6 +5312,591 @@
 </file>
 
 <file path=ppt/slides/slide3.xml><?xml version="1.0" encoding="utf-8"?>
+<p:sld xmlns:a="http://schemas.openxmlformats.org/drawingml/2006/main" xmlns:r="http://schemas.openxmlformats.org/officeDocument/2006/relationships" xmlns:p="http://schemas.openxmlformats.org/presentationml/2006/main">
+  <p:cSld>
+    <p:spTree>
+      <p:nvGrpSpPr>
+        <p:cNvPr id="1" name=""/>
+        <p:cNvGrpSpPr/>
+        <p:nvPr/>
+      </p:nvGrpSpPr>
+      <p:grpSpPr>
+        <a:xfrm>
+          <a:off x="0" y="0"/>
+          <a:ext cx="0" cy="0"/>
+          <a:chOff x="0" y="0"/>
+          <a:chExt cx="0" cy="0"/>
+        </a:xfrm>
+      </p:grpSpPr>
+      <p:sp>
+        <p:nvSpPr>
+          <p:cNvPr id="2" name="TextBox 1">
+            <a:extLst>
+              <a:ext uri="{FF2B5EF4-FFF2-40B4-BE49-F238E27FC236}">
+                <a16:creationId xmlns:a16="http://schemas.microsoft.com/office/drawing/2014/main" id="{BA445050-7B02-8425-3B16-D2B69AB6DA3A}"/>
+              </a:ext>
+            </a:extLst>
+          </p:cNvPr>
+          <p:cNvSpPr txBox="1"/>
+          <p:nvPr/>
+        </p:nvSpPr>
+        <p:spPr>
+          <a:xfrm>
+            <a:off x="872067" y="2109632"/>
+            <a:ext cx="4080933" cy="369332"/>
+          </a:xfrm>
+          <a:prstGeom prst="rect">
+            <a:avLst/>
+          </a:prstGeom>
+          <a:noFill/>
+        </p:spPr>
+        <p:txBody>
+          <a:bodyPr wrap="square" rtlCol="0">
+            <a:spAutoFit/>
+          </a:bodyPr>
+          <a:lstStyle/>
+          <a:p>
+            <a:r>
+              <a:rPr lang="en-IN" dirty="0"/>
+              <a:t>http://localhost:9191/user/login</a:t>
+            </a:r>
+          </a:p>
+        </p:txBody>
+      </p:sp>
+      <p:sp>
+        <p:nvSpPr>
+          <p:cNvPr id="3" name="Rectangle 2">
+            <a:extLst>
+              <a:ext uri="{FF2B5EF4-FFF2-40B4-BE49-F238E27FC236}">
+                <a16:creationId xmlns:a16="http://schemas.microsoft.com/office/drawing/2014/main" id="{F9029AB1-13D5-DFF7-432F-B92845F32587}"/>
+              </a:ext>
+            </a:extLst>
+          </p:cNvPr>
+          <p:cNvSpPr/>
+          <p:nvPr/>
+        </p:nvSpPr>
+        <p:spPr>
+          <a:xfrm>
+            <a:off x="5164667" y="2015067"/>
+            <a:ext cx="1744134" cy="821266"/>
+          </a:xfrm>
+          <a:prstGeom prst="rect">
+            <a:avLst/>
+          </a:prstGeom>
+        </p:spPr>
+        <p:style>
+          <a:lnRef idx="2">
+            <a:schemeClr val="accent1">
+              <a:shade val="15000"/>
+            </a:schemeClr>
+          </a:lnRef>
+          <a:fillRef idx="1">
+            <a:schemeClr val="accent1"/>
+          </a:fillRef>
+          <a:effectRef idx="0">
+            <a:schemeClr val="accent1"/>
+          </a:effectRef>
+          <a:fontRef idx="minor">
+            <a:schemeClr val="lt1"/>
+          </a:fontRef>
+        </p:style>
+        <p:txBody>
+          <a:bodyPr rtlCol="0" anchor="ctr"/>
+          <a:lstStyle/>
+          <a:p>
+            <a:pPr algn="ctr"/>
+            <a:r>
+              <a:rPr lang="en-IN" dirty="0"/>
+              <a:t>API Gateway</a:t>
+            </a:r>
+          </a:p>
+          <a:p>
+            <a:pPr algn="ctr"/>
+            <a:r>
+              <a:rPr lang="en-IN" dirty="0"/>
+              <a:t>9191</a:t>
+            </a:r>
+          </a:p>
+        </p:txBody>
+      </p:sp>
+      <p:cxnSp>
+        <p:nvCxnSpPr>
+          <p:cNvPr id="5" name="Straight Arrow Connector 4">
+            <a:extLst>
+              <a:ext uri="{FF2B5EF4-FFF2-40B4-BE49-F238E27FC236}">
+                <a16:creationId xmlns:a16="http://schemas.microsoft.com/office/drawing/2014/main" id="{C25F4DBB-4719-8F27-2355-94146D482886}"/>
+              </a:ext>
+            </a:extLst>
+          </p:cNvPr>
+          <p:cNvCxnSpPr/>
+          <p:nvPr/>
+        </p:nvCxnSpPr>
+        <p:spPr>
+          <a:xfrm>
+            <a:off x="973667" y="2396067"/>
+            <a:ext cx="4191000" cy="0"/>
+          </a:xfrm>
+          <a:prstGeom prst="straightConnector1">
+            <a:avLst/>
+          </a:prstGeom>
+          <a:ln>
+            <a:tailEnd type="triangle"/>
+          </a:ln>
+        </p:spPr>
+        <p:style>
+          <a:lnRef idx="1">
+            <a:schemeClr val="accent1"/>
+          </a:lnRef>
+          <a:fillRef idx="0">
+            <a:schemeClr val="accent1"/>
+          </a:fillRef>
+          <a:effectRef idx="0">
+            <a:schemeClr val="accent1"/>
+          </a:effectRef>
+          <a:fontRef idx="minor">
+            <a:schemeClr val="tx1"/>
+          </a:fontRef>
+        </p:style>
+      </p:cxnSp>
+      <p:sp>
+        <p:nvSpPr>
+          <p:cNvPr id="6" name="Rectangle 5">
+            <a:extLst>
+              <a:ext uri="{FF2B5EF4-FFF2-40B4-BE49-F238E27FC236}">
+                <a16:creationId xmlns:a16="http://schemas.microsoft.com/office/drawing/2014/main" id="{C16C2C58-F725-38C7-E075-4875816ED7C5}"/>
+              </a:ext>
+            </a:extLst>
+          </p:cNvPr>
+          <p:cNvSpPr/>
+          <p:nvPr/>
+        </p:nvSpPr>
+        <p:spPr>
+          <a:xfrm>
+            <a:off x="7255934" y="355600"/>
+            <a:ext cx="1744134" cy="821266"/>
+          </a:xfrm>
+          <a:prstGeom prst="rect">
+            <a:avLst/>
+          </a:prstGeom>
+        </p:spPr>
+        <p:style>
+          <a:lnRef idx="2">
+            <a:schemeClr val="accent1">
+              <a:shade val="15000"/>
+            </a:schemeClr>
+          </a:lnRef>
+          <a:fillRef idx="1">
+            <a:schemeClr val="accent1"/>
+          </a:fillRef>
+          <a:effectRef idx="0">
+            <a:schemeClr val="accent1"/>
+          </a:effectRef>
+          <a:fontRef idx="minor">
+            <a:schemeClr val="lt1"/>
+          </a:fontRef>
+        </p:style>
+        <p:txBody>
+          <a:bodyPr rtlCol="0" anchor="ctr"/>
+          <a:lstStyle/>
+          <a:p>
+            <a:pPr algn="ctr"/>
+            <a:r>
+              <a:rPr lang="en-IN" dirty="0"/>
+              <a:t>Eureka Server</a:t>
+            </a:r>
+          </a:p>
+          <a:p>
+            <a:pPr algn="ctr"/>
+            <a:r>
+              <a:rPr lang="en-IN" dirty="0"/>
+              <a:t>8761</a:t>
+            </a:r>
+          </a:p>
+        </p:txBody>
+      </p:sp>
+      <p:cxnSp>
+        <p:nvCxnSpPr>
+          <p:cNvPr id="7" name="Straight Arrow Connector 6">
+            <a:extLst>
+              <a:ext uri="{FF2B5EF4-FFF2-40B4-BE49-F238E27FC236}">
+                <a16:creationId xmlns:a16="http://schemas.microsoft.com/office/drawing/2014/main" id="{19C7FD6A-C5CE-CF00-D79F-7ECCD1098459}"/>
+              </a:ext>
+            </a:extLst>
+          </p:cNvPr>
+          <p:cNvCxnSpPr>
+            <a:cxnSpLocks/>
+          </p:cNvCxnSpPr>
+          <p:nvPr/>
+        </p:nvCxnSpPr>
+        <p:spPr>
+          <a:xfrm flipV="1">
+            <a:off x="5588000" y="889001"/>
+            <a:ext cx="1667934" cy="1244599"/>
+          </a:xfrm>
+          <a:prstGeom prst="straightConnector1">
+            <a:avLst/>
+          </a:prstGeom>
+          <a:ln>
+            <a:tailEnd type="triangle"/>
+          </a:ln>
+        </p:spPr>
+        <p:style>
+          <a:lnRef idx="1">
+            <a:schemeClr val="accent1"/>
+          </a:lnRef>
+          <a:fillRef idx="0">
+            <a:schemeClr val="accent1"/>
+          </a:fillRef>
+          <a:effectRef idx="0">
+            <a:schemeClr val="accent1"/>
+          </a:effectRef>
+          <a:fontRef idx="minor">
+            <a:schemeClr val="tx1"/>
+          </a:fontRef>
+        </p:style>
+      </p:cxnSp>
+      <p:cxnSp>
+        <p:nvCxnSpPr>
+          <p:cNvPr id="9" name="Straight Arrow Connector 8">
+            <a:extLst>
+              <a:ext uri="{FF2B5EF4-FFF2-40B4-BE49-F238E27FC236}">
+                <a16:creationId xmlns:a16="http://schemas.microsoft.com/office/drawing/2014/main" id="{95CB85B3-26E8-F71B-9DB1-57C30EE10286}"/>
+              </a:ext>
+            </a:extLst>
+          </p:cNvPr>
+          <p:cNvCxnSpPr>
+            <a:cxnSpLocks/>
+          </p:cNvCxnSpPr>
+          <p:nvPr/>
+        </p:nvCxnSpPr>
+        <p:spPr>
+          <a:xfrm flipH="1">
+            <a:off x="6578600" y="1100667"/>
+            <a:ext cx="1159933" cy="914400"/>
+          </a:xfrm>
+          <a:prstGeom prst="straightConnector1">
+            <a:avLst/>
+          </a:prstGeom>
+          <a:ln>
+            <a:tailEnd type="triangle"/>
+          </a:ln>
+        </p:spPr>
+        <p:style>
+          <a:lnRef idx="1">
+            <a:schemeClr val="accent1"/>
+          </a:lnRef>
+          <a:fillRef idx="0">
+            <a:schemeClr val="accent1"/>
+          </a:fillRef>
+          <a:effectRef idx="0">
+            <a:schemeClr val="accent1"/>
+          </a:effectRef>
+          <a:fontRef idx="minor">
+            <a:schemeClr val="tx1"/>
+          </a:fontRef>
+        </p:style>
+      </p:cxnSp>
+      <p:sp>
+        <p:nvSpPr>
+          <p:cNvPr id="12" name="TextBox 11">
+            <a:extLst>
+              <a:ext uri="{FF2B5EF4-FFF2-40B4-BE49-F238E27FC236}">
+                <a16:creationId xmlns:a16="http://schemas.microsoft.com/office/drawing/2014/main" id="{3630CBF3-58B8-6E5F-2CD4-3D748A04CBA8}"/>
+              </a:ext>
+            </a:extLst>
+          </p:cNvPr>
+          <p:cNvSpPr txBox="1"/>
+          <p:nvPr/>
+        </p:nvSpPr>
+        <p:spPr>
+          <a:xfrm>
+            <a:off x="7069667" y="1405467"/>
+            <a:ext cx="1820333" cy="646331"/>
+          </a:xfrm>
+          <a:prstGeom prst="rect">
+            <a:avLst/>
+          </a:prstGeom>
+          <a:noFill/>
+        </p:spPr>
+        <p:txBody>
+          <a:bodyPr wrap="square" rtlCol="0">
+            <a:spAutoFit/>
+          </a:bodyPr>
+          <a:lstStyle/>
+          <a:p>
+            <a:r>
+              <a:rPr lang="en-IN" dirty="0"/>
+              <a:t>Localhost</a:t>
+            </a:r>
+          </a:p>
+          <a:p>
+            <a:r>
+              <a:rPr lang="en-IN" dirty="0"/>
+              <a:t>9000</a:t>
+            </a:r>
+          </a:p>
+        </p:txBody>
+      </p:sp>
+      <p:sp>
+        <p:nvSpPr>
+          <p:cNvPr id="13" name="Rectangle 12">
+            <a:extLst>
+              <a:ext uri="{FF2B5EF4-FFF2-40B4-BE49-F238E27FC236}">
+                <a16:creationId xmlns:a16="http://schemas.microsoft.com/office/drawing/2014/main" id="{F4FE0483-6AC9-A915-D27C-4F16D0102E94}"/>
+              </a:ext>
+            </a:extLst>
+          </p:cNvPr>
+          <p:cNvSpPr/>
+          <p:nvPr/>
+        </p:nvSpPr>
+        <p:spPr>
+          <a:xfrm>
+            <a:off x="8280401" y="2548466"/>
+            <a:ext cx="1744134" cy="821266"/>
+          </a:xfrm>
+          <a:prstGeom prst="rect">
+            <a:avLst/>
+          </a:prstGeom>
+        </p:spPr>
+        <p:style>
+          <a:lnRef idx="2">
+            <a:schemeClr val="accent1">
+              <a:shade val="15000"/>
+            </a:schemeClr>
+          </a:lnRef>
+          <a:fillRef idx="1">
+            <a:schemeClr val="accent1"/>
+          </a:fillRef>
+          <a:effectRef idx="0">
+            <a:schemeClr val="accent1"/>
+          </a:effectRef>
+          <a:fontRef idx="minor">
+            <a:schemeClr val="lt1"/>
+          </a:fontRef>
+        </p:style>
+        <p:txBody>
+          <a:bodyPr rtlCol="0" anchor="ctr"/>
+          <a:lstStyle/>
+          <a:p>
+            <a:pPr algn="ctr"/>
+            <a:r>
+              <a:rPr lang="en-IN" dirty="0"/>
+              <a:t>USER-MS</a:t>
+            </a:r>
+          </a:p>
+        </p:txBody>
+      </p:sp>
+      <p:cxnSp>
+        <p:nvCxnSpPr>
+          <p:cNvPr id="14" name="Straight Arrow Connector 13">
+            <a:extLst>
+              <a:ext uri="{FF2B5EF4-FFF2-40B4-BE49-F238E27FC236}">
+                <a16:creationId xmlns:a16="http://schemas.microsoft.com/office/drawing/2014/main" id="{43CBFA70-245B-E2E5-C254-1CE3F0E78EFA}"/>
+              </a:ext>
+            </a:extLst>
+          </p:cNvPr>
+          <p:cNvCxnSpPr>
+            <a:cxnSpLocks/>
+            <a:stCxn id="3" idx="3"/>
+            <a:endCxn id="13" idx="1"/>
+          </p:cNvCxnSpPr>
+          <p:nvPr/>
+        </p:nvCxnSpPr>
+        <p:spPr>
+          <a:xfrm>
+            <a:off x="6908801" y="2425700"/>
+            <a:ext cx="1371600" cy="533399"/>
+          </a:xfrm>
+          <a:prstGeom prst="straightConnector1">
+            <a:avLst/>
+          </a:prstGeom>
+          <a:ln>
+            <a:tailEnd type="triangle"/>
+          </a:ln>
+        </p:spPr>
+        <p:style>
+          <a:lnRef idx="1">
+            <a:schemeClr val="accent1"/>
+          </a:lnRef>
+          <a:fillRef idx="0">
+            <a:schemeClr val="accent1"/>
+          </a:fillRef>
+          <a:effectRef idx="0">
+            <a:schemeClr val="accent1"/>
+          </a:effectRef>
+          <a:fontRef idx="minor">
+            <a:schemeClr val="tx1"/>
+          </a:fontRef>
+        </p:style>
+      </p:cxnSp>
+      <p:sp>
+        <p:nvSpPr>
+          <p:cNvPr id="17" name="TextBox 16">
+            <a:extLst>
+              <a:ext uri="{FF2B5EF4-FFF2-40B4-BE49-F238E27FC236}">
+                <a16:creationId xmlns:a16="http://schemas.microsoft.com/office/drawing/2014/main" id="{2AAEFF02-2FBD-DFA6-2A88-B741F89B9DC8}"/>
+              </a:ext>
+            </a:extLst>
+          </p:cNvPr>
+          <p:cNvSpPr txBox="1"/>
+          <p:nvPr/>
+        </p:nvSpPr>
+        <p:spPr>
+          <a:xfrm>
+            <a:off x="6578600" y="3412067"/>
+            <a:ext cx="1371600" cy="369332"/>
+          </a:xfrm>
+          <a:prstGeom prst="rect">
+            <a:avLst/>
+          </a:prstGeom>
+          <a:noFill/>
+        </p:spPr>
+        <p:txBody>
+          <a:bodyPr wrap="square" rtlCol="0">
+            <a:spAutoFit/>
+          </a:bodyPr>
+          <a:lstStyle/>
+          <a:p>
+            <a:r>
+              <a:rPr lang="en-IN" dirty="0"/>
+              <a:t>1. </a:t>
+            </a:r>
+            <a:r>
+              <a:rPr lang="en-IN" dirty="0" err="1"/>
+              <a:t>JWTFilter</a:t>
+            </a:r>
+            <a:endParaRPr lang="en-IN" dirty="0"/>
+          </a:p>
+        </p:txBody>
+      </p:sp>
+      <p:sp>
+        <p:nvSpPr>
+          <p:cNvPr id="18" name="TextBox 17">
+            <a:extLst>
+              <a:ext uri="{FF2B5EF4-FFF2-40B4-BE49-F238E27FC236}">
+                <a16:creationId xmlns:a16="http://schemas.microsoft.com/office/drawing/2014/main" id="{E451D87C-4E43-5F26-937E-D9A835193CFA}"/>
+              </a:ext>
+            </a:extLst>
+          </p:cNvPr>
+          <p:cNvSpPr txBox="1"/>
+          <p:nvPr/>
+        </p:nvSpPr>
+        <p:spPr>
+          <a:xfrm>
+            <a:off x="6578600" y="3822700"/>
+            <a:ext cx="2590800" cy="369332"/>
+          </a:xfrm>
+          <a:prstGeom prst="rect">
+            <a:avLst/>
+          </a:prstGeom>
+          <a:noFill/>
+        </p:spPr>
+        <p:txBody>
+          <a:bodyPr wrap="square" rtlCol="0">
+            <a:spAutoFit/>
+          </a:bodyPr>
+          <a:lstStyle/>
+          <a:p>
+            <a:r>
+              <a:rPr lang="en-IN" dirty="0"/>
+              <a:t>2. </a:t>
+            </a:r>
+            <a:r>
+              <a:rPr lang="en-IN" dirty="0" err="1"/>
+              <a:t>SecurityFilterChain</a:t>
+            </a:r>
+            <a:endParaRPr lang="en-IN" dirty="0"/>
+          </a:p>
+        </p:txBody>
+      </p:sp>
+      <p:sp>
+        <p:nvSpPr>
+          <p:cNvPr id="19" name="TextBox 18">
+            <a:extLst>
+              <a:ext uri="{FF2B5EF4-FFF2-40B4-BE49-F238E27FC236}">
+                <a16:creationId xmlns:a16="http://schemas.microsoft.com/office/drawing/2014/main" id="{6A1C0C4F-1965-30C2-6BF0-F788F808476D}"/>
+              </a:ext>
+            </a:extLst>
+          </p:cNvPr>
+          <p:cNvSpPr txBox="1"/>
+          <p:nvPr/>
+        </p:nvSpPr>
+        <p:spPr>
+          <a:xfrm>
+            <a:off x="867835" y="2417949"/>
+            <a:ext cx="4080933" cy="369332"/>
+          </a:xfrm>
+          <a:prstGeom prst="rect">
+            <a:avLst/>
+          </a:prstGeom>
+          <a:noFill/>
+        </p:spPr>
+        <p:txBody>
+          <a:bodyPr wrap="square" rtlCol="0">
+            <a:spAutoFit/>
+          </a:bodyPr>
+          <a:lstStyle/>
+          <a:p>
+            <a:r>
+              <a:rPr lang="en-IN" dirty="0"/>
+              <a:t>http://localhost:9191/user</a:t>
+            </a:r>
+          </a:p>
+        </p:txBody>
+      </p:sp>
+      <p:cxnSp>
+        <p:nvCxnSpPr>
+          <p:cNvPr id="20" name="Straight Arrow Connector 19">
+            <a:extLst>
+              <a:ext uri="{FF2B5EF4-FFF2-40B4-BE49-F238E27FC236}">
+                <a16:creationId xmlns:a16="http://schemas.microsoft.com/office/drawing/2014/main" id="{F9B32D4F-9B91-A3EA-018C-EA0227DFECDD}"/>
+              </a:ext>
+            </a:extLst>
+          </p:cNvPr>
+          <p:cNvCxnSpPr/>
+          <p:nvPr/>
+        </p:nvCxnSpPr>
+        <p:spPr>
+          <a:xfrm>
+            <a:off x="973667" y="2760133"/>
+            <a:ext cx="4191000" cy="0"/>
+          </a:xfrm>
+          <a:prstGeom prst="straightConnector1">
+            <a:avLst/>
+          </a:prstGeom>
+          <a:ln>
+            <a:tailEnd type="triangle"/>
+          </a:ln>
+        </p:spPr>
+        <p:style>
+          <a:lnRef idx="1">
+            <a:schemeClr val="accent1"/>
+          </a:lnRef>
+          <a:fillRef idx="0">
+            <a:schemeClr val="accent1"/>
+          </a:fillRef>
+          <a:effectRef idx="0">
+            <a:schemeClr val="accent1"/>
+          </a:effectRef>
+          <a:fontRef idx="minor">
+            <a:schemeClr val="tx1"/>
+          </a:fontRef>
+        </p:style>
+      </p:cxnSp>
+    </p:spTree>
+    <p:extLst>
+      <p:ext uri="{BB962C8B-B14F-4D97-AF65-F5344CB8AC3E}">
+        <p14:creationId xmlns:p14="http://schemas.microsoft.com/office/powerpoint/2010/main" val="1101880244"/>
+      </p:ext>
+    </p:extLst>
+  </p:cSld>
+  <p:clrMapOvr>
+    <a:masterClrMapping/>
+  </p:clrMapOvr>
+</p:sld>
+</file>
+
+<file path=ppt/slides/slide4.xml><?xml version="1.0" encoding="utf-8"?>
 <p:sld xmlns:a="http://schemas.openxmlformats.org/drawingml/2006/main" xmlns:r="http://schemas.openxmlformats.org/officeDocument/2006/relationships" xmlns:p="http://schemas.openxmlformats.org/presentationml/2006/main">
   <p:cSld>
     <p:spTree>
@@ -5372,7 +5973,7 @@
 </p:sld>
 </file>
 
-<file path=ppt/slides/slide4.xml><?xml version="1.0" encoding="utf-8"?>
+<file path=ppt/slides/slide5.xml><?xml version="1.0" encoding="utf-8"?>
 <p:sld xmlns:a="http://schemas.openxmlformats.org/drawingml/2006/main" xmlns:r="http://schemas.openxmlformats.org/officeDocument/2006/relationships" xmlns:p="http://schemas.openxmlformats.org/presentationml/2006/main">
   <p:cSld>
     <p:spTree>
